--- a/machine learning introduction.pptx
+++ b/machine learning introduction.pptx
@@ -239,7 +239,7 @@
           <a:p>
             <a:fld id="{C750A325-1B11-471A-A6BB-64119B01ADFB}" type="datetimeFigureOut">
               <a:rPr lang="zh-TW" altLang="en-US" smtClean="0"/>
-              <a:t>2018/1/23</a:t>
+              <a:t>2018/1/26</a:t>
             </a:fld>
             <a:endParaRPr lang="zh-TW" altLang="en-US"/>
           </a:p>
@@ -693,7 +693,7 @@
           <a:p>
             <a:fld id="{D290A4C2-3E30-4611-A5AA-799510A497F0}" type="datetimeFigureOut">
               <a:rPr lang="zh-TW" altLang="en-US" smtClean="0"/>
-              <a:t>2018/1/23</a:t>
+              <a:t>2018/1/26</a:t>
             </a:fld>
             <a:endParaRPr lang="zh-TW" altLang="en-US"/>
           </a:p>
@@ -968,7 +968,7 @@
           <a:p>
             <a:fld id="{D290A4C2-3E30-4611-A5AA-799510A497F0}" type="datetimeFigureOut">
               <a:rPr lang="zh-TW" altLang="en-US" smtClean="0"/>
-              <a:t>2018/1/23</a:t>
+              <a:t>2018/1/26</a:t>
             </a:fld>
             <a:endParaRPr lang="zh-TW" altLang="en-US"/>
           </a:p>
@@ -1162,7 +1162,7 @@
           <a:p>
             <a:fld id="{D290A4C2-3E30-4611-A5AA-799510A497F0}" type="datetimeFigureOut">
               <a:rPr lang="zh-TW" altLang="en-US" smtClean="0"/>
-              <a:t>2018/1/23</a:t>
+              <a:t>2018/1/26</a:t>
             </a:fld>
             <a:endParaRPr lang="zh-TW" altLang="en-US"/>
           </a:p>
@@ -1435,7 +1435,7 @@
           <a:p>
             <a:fld id="{D290A4C2-3E30-4611-A5AA-799510A497F0}" type="datetimeFigureOut">
               <a:rPr lang="zh-TW" altLang="en-US" smtClean="0"/>
-              <a:t>2018/1/23</a:t>
+              <a:t>2018/1/26</a:t>
             </a:fld>
             <a:endParaRPr lang="zh-TW" altLang="en-US"/>
           </a:p>
@@ -1776,7 +1776,7 @@
           <a:p>
             <a:fld id="{D290A4C2-3E30-4611-A5AA-799510A497F0}" type="datetimeFigureOut">
               <a:rPr lang="zh-TW" altLang="en-US" smtClean="0"/>
-              <a:t>2018/1/23</a:t>
+              <a:t>2018/1/26</a:t>
             </a:fld>
             <a:endParaRPr lang="zh-TW" altLang="en-US"/>
           </a:p>
@@ -2399,7 +2399,7 @@
           <a:p>
             <a:fld id="{D290A4C2-3E30-4611-A5AA-799510A497F0}" type="datetimeFigureOut">
               <a:rPr lang="zh-TW" altLang="en-US" smtClean="0"/>
-              <a:t>2018/1/23</a:t>
+              <a:t>2018/1/26</a:t>
             </a:fld>
             <a:endParaRPr lang="zh-TW" altLang="en-US"/>
           </a:p>
@@ -3259,7 +3259,7 @@
           <a:p>
             <a:fld id="{D290A4C2-3E30-4611-A5AA-799510A497F0}" type="datetimeFigureOut">
               <a:rPr lang="zh-TW" altLang="en-US" smtClean="0"/>
-              <a:t>2018/1/23</a:t>
+              <a:t>2018/1/26</a:t>
             </a:fld>
             <a:endParaRPr lang="zh-TW" altLang="en-US"/>
           </a:p>
@@ -3429,7 +3429,7 @@
           <a:p>
             <a:fld id="{D290A4C2-3E30-4611-A5AA-799510A497F0}" type="datetimeFigureOut">
               <a:rPr lang="zh-TW" altLang="en-US" smtClean="0"/>
-              <a:t>2018/1/23</a:t>
+              <a:t>2018/1/26</a:t>
             </a:fld>
             <a:endParaRPr lang="zh-TW" altLang="en-US"/>
           </a:p>
@@ -3609,7 +3609,7 @@
           <a:p>
             <a:fld id="{D290A4C2-3E30-4611-A5AA-799510A497F0}" type="datetimeFigureOut">
               <a:rPr lang="zh-TW" altLang="en-US" smtClean="0"/>
-              <a:t>2018/1/23</a:t>
+              <a:t>2018/1/26</a:t>
             </a:fld>
             <a:endParaRPr lang="zh-TW" altLang="en-US"/>
           </a:p>
@@ -3779,7 +3779,7 @@
           <a:p>
             <a:fld id="{D290A4C2-3E30-4611-A5AA-799510A497F0}" type="datetimeFigureOut">
               <a:rPr lang="zh-TW" altLang="en-US" smtClean="0"/>
-              <a:t>2018/1/23</a:t>
+              <a:t>2018/1/26</a:t>
             </a:fld>
             <a:endParaRPr lang="zh-TW" altLang="en-US"/>
           </a:p>
@@ -4026,7 +4026,7 @@
           <a:p>
             <a:fld id="{D290A4C2-3E30-4611-A5AA-799510A497F0}" type="datetimeFigureOut">
               <a:rPr lang="zh-TW" altLang="en-US" smtClean="0"/>
-              <a:t>2018/1/23</a:t>
+              <a:t>2018/1/26</a:t>
             </a:fld>
             <a:endParaRPr lang="zh-TW" altLang="en-US"/>
           </a:p>
@@ -4318,7 +4318,7 @@
           <a:p>
             <a:fld id="{D290A4C2-3E30-4611-A5AA-799510A497F0}" type="datetimeFigureOut">
               <a:rPr lang="zh-TW" altLang="en-US" smtClean="0"/>
-              <a:t>2018/1/23</a:t>
+              <a:t>2018/1/26</a:t>
             </a:fld>
             <a:endParaRPr lang="zh-TW" altLang="en-US"/>
           </a:p>
@@ -4762,7 +4762,7 @@
           <a:p>
             <a:fld id="{D290A4C2-3E30-4611-A5AA-799510A497F0}" type="datetimeFigureOut">
               <a:rPr lang="zh-TW" altLang="en-US" smtClean="0"/>
-              <a:t>2018/1/23</a:t>
+              <a:t>2018/1/26</a:t>
             </a:fld>
             <a:endParaRPr lang="zh-TW" altLang="en-US"/>
           </a:p>
@@ -4880,7 +4880,7 @@
           <a:p>
             <a:fld id="{D290A4C2-3E30-4611-A5AA-799510A497F0}" type="datetimeFigureOut">
               <a:rPr lang="zh-TW" altLang="en-US" smtClean="0"/>
-              <a:t>2018/1/23</a:t>
+              <a:t>2018/1/26</a:t>
             </a:fld>
             <a:endParaRPr lang="zh-TW" altLang="en-US"/>
           </a:p>
@@ -4975,7 +4975,7 @@
           <a:p>
             <a:fld id="{D290A4C2-3E30-4611-A5AA-799510A497F0}" type="datetimeFigureOut">
               <a:rPr lang="zh-TW" altLang="en-US" smtClean="0"/>
-              <a:t>2018/1/23</a:t>
+              <a:t>2018/1/26</a:t>
             </a:fld>
             <a:endParaRPr lang="zh-TW" altLang="en-US"/>
           </a:p>
@@ -5254,7 +5254,7 @@
           <a:p>
             <a:fld id="{D290A4C2-3E30-4611-A5AA-799510A497F0}" type="datetimeFigureOut">
               <a:rPr lang="zh-TW" altLang="en-US" smtClean="0"/>
-              <a:t>2018/1/23</a:t>
+              <a:t>2018/1/26</a:t>
             </a:fld>
             <a:endParaRPr lang="zh-TW" altLang="en-US"/>
           </a:p>
@@ -5529,7 +5529,7 @@
           <a:p>
             <a:fld id="{D290A4C2-3E30-4611-A5AA-799510A497F0}" type="datetimeFigureOut">
               <a:rPr lang="zh-TW" altLang="en-US" smtClean="0"/>
-              <a:t>2018/1/23</a:t>
+              <a:t>2018/1/26</a:t>
             </a:fld>
             <a:endParaRPr lang="zh-TW" altLang="en-US"/>
           </a:p>
@@ -5958,7 +5958,7 @@
           <a:p>
             <a:fld id="{D290A4C2-3E30-4611-A5AA-799510A497F0}" type="datetimeFigureOut">
               <a:rPr lang="zh-TW" altLang="en-US" smtClean="0"/>
-              <a:t>2018/1/23</a:t>
+              <a:t>2018/1/26</a:t>
             </a:fld>
             <a:endParaRPr lang="zh-TW" altLang="en-US"/>
           </a:p>
@@ -7185,8 +7185,8 @@
           </a:p>
         </p:txBody>
       </p:sp>
-      <mc:AlternateContent xmlns:mc="http://schemas.openxmlformats.org/markup-compatibility/2006">
-        <mc:Choice xmlns:a14="http://schemas.microsoft.com/office/drawing/2010/main" Requires="a14">
+      <mc:AlternateContent xmlns:mc="http://schemas.openxmlformats.org/markup-compatibility/2006" xmlns:a14="http://schemas.microsoft.com/office/drawing/2010/main">
+        <mc:Choice Requires="a14">
           <p:sp>
             <p:nvSpPr>
               <p:cNvPr id="3" name="內容版面配置區 2"/>
@@ -7724,7 +7724,7 @@
             </p:txBody>
           </p:sp>
         </mc:Choice>
-        <mc:Fallback>
+        <mc:Fallback xmlns="">
           <p:sp>
             <p:nvSpPr>
               <p:cNvPr id="3" name="內容版面配置區 2"/>
@@ -7858,15 +7858,7 @@
           <a:p>
             <a:r>
               <a:rPr lang="zh-TW" altLang="en-US" dirty="0" smtClean="0"/>
-              <a:t>條件</a:t>
-            </a:r>
-            <a:r>
-              <a:rPr lang="zh-TW" altLang="en-US" dirty="0" smtClean="0"/>
-              <a:t>機率與貝氏</a:t>
-            </a:r>
-            <a:r>
-              <a:rPr lang="zh-TW" altLang="en-US" dirty="0" smtClean="0"/>
-              <a:t>定理</a:t>
+              <a:t>條件機率與貝氏定理</a:t>
             </a:r>
             <a:endParaRPr lang="en-US" altLang="zh-TW" dirty="0" smtClean="0"/>
           </a:p>
@@ -8456,17 +8448,7 @@
                 <a:latin typeface="標楷體" panose="03000509000000000000" pitchFamily="65" charset="-120"/>
                 <a:ea typeface="標楷體" panose="03000509000000000000" pitchFamily="65" charset="-120"/>
               </a:rPr>
-              <a:t>Raw </a:t>
-            </a:r>
-            <a:r>
-              <a:rPr lang="en-US" altLang="zh-TW" dirty="0" smtClean="0">
-                <a:solidFill>
-                  <a:srgbClr val="00B0F0"/>
-                </a:solidFill>
-                <a:latin typeface="標楷體" panose="03000509000000000000" pitchFamily="65" charset="-120"/>
-                <a:ea typeface="標楷體" panose="03000509000000000000" pitchFamily="65" charset="-120"/>
-              </a:rPr>
-              <a:t>Data: </a:t>
+              <a:t>Raw Data: </a:t>
             </a:r>
             <a:r>
               <a:rPr lang="zh-TW" altLang="en-US" dirty="0" smtClean="0">
@@ -10081,21 +10063,10 @@
               <a:t>客服醫生</a:t>
             </a:r>
             <a:r>
-              <a:rPr lang="en-US" altLang="zh-TW" dirty="0"/>
+              <a:rPr lang="en-US" altLang="zh-TW" smtClean="0"/>
               <a:t>)</a:t>
             </a:r>
-            <a:r>
-              <a:rPr lang="zh-TW" altLang="en-US" dirty="0"/>
-              <a:t>、利用</a:t>
-            </a:r>
-            <a:r>
-              <a:rPr lang="en-US" altLang="zh-TW" dirty="0"/>
-              <a:t>VR</a:t>
-            </a:r>
-            <a:r>
-              <a:rPr lang="zh-TW" altLang="en-US" dirty="0"/>
-              <a:t>遠距遙控機器人開刀</a:t>
-            </a:r>
+            <a:endParaRPr lang="zh-TW" altLang="en-US" dirty="0"/>
           </a:p>
           <a:p>
             <a:pPr lvl="1" fontAlgn="base"/>
@@ -10689,11 +10660,7 @@
             <a:pPr lvl="2"/>
             <a:r>
               <a:rPr lang="zh-TW" altLang="en-US" dirty="0" smtClean="0"/>
-              <a:t>處理資訊的數學</a:t>
-            </a:r>
-            <a:r>
-              <a:rPr lang="zh-TW" altLang="en-US" dirty="0" smtClean="0"/>
-              <a:t>模型</a:t>
+              <a:t>處理資訊的數學模型</a:t>
             </a:r>
             <a:endParaRPr lang="en-US" altLang="zh-TW" dirty="0" smtClean="0"/>
           </a:p>

--- a/machine learning introduction.pptx
+++ b/machine learning introduction.pptx
@@ -132,7 +132,7 @@
   </p:defaultTextStyle>
   <p:extLst>
     <p:ext uri="{EFAFB233-063F-42B5-8137-9DF3F51BA10A}">
-      <p15:sldGuideLst xmlns:p15="http://schemas.microsoft.com/office/powerpoint/2012/main">
+      <p15:sldGuideLst xmlns:p15="http://schemas.microsoft.com/office/powerpoint/2012/main" xmlns="">
         <p15:guide id="1" orient="horz" pos="2160">
           <p15:clr>
             <a:srgbClr val="A4A3A4"/>
@@ -239,7 +239,7 @@
           <a:p>
             <a:fld id="{C750A325-1B11-471A-A6BB-64119B01ADFB}" type="datetimeFigureOut">
               <a:rPr lang="zh-TW" altLang="en-US" smtClean="0"/>
-              <a:t>2018/1/26</a:t>
+              <a:t>2018/1/31</a:t>
             </a:fld>
             <a:endParaRPr lang="zh-TW" altLang="en-US"/>
           </a:p>
@@ -693,7 +693,7 @@
           <a:p>
             <a:fld id="{D290A4C2-3E30-4611-A5AA-799510A497F0}" type="datetimeFigureOut">
               <a:rPr lang="zh-TW" altLang="en-US" smtClean="0"/>
-              <a:t>2018/1/26</a:t>
+              <a:t>2018/1/31</a:t>
             </a:fld>
             <a:endParaRPr lang="zh-TW" altLang="en-US"/>
           </a:p>
@@ -968,7 +968,7 @@
           <a:p>
             <a:fld id="{D290A4C2-3E30-4611-A5AA-799510A497F0}" type="datetimeFigureOut">
               <a:rPr lang="zh-TW" altLang="en-US" smtClean="0"/>
-              <a:t>2018/1/26</a:t>
+              <a:t>2018/1/31</a:t>
             </a:fld>
             <a:endParaRPr lang="zh-TW" altLang="en-US"/>
           </a:p>
@@ -1162,7 +1162,7 @@
           <a:p>
             <a:fld id="{D290A4C2-3E30-4611-A5AA-799510A497F0}" type="datetimeFigureOut">
               <a:rPr lang="zh-TW" altLang="en-US" smtClean="0"/>
-              <a:t>2018/1/26</a:t>
+              <a:t>2018/1/31</a:t>
             </a:fld>
             <a:endParaRPr lang="zh-TW" altLang="en-US"/>
           </a:p>
@@ -1435,7 +1435,7 @@
           <a:p>
             <a:fld id="{D290A4C2-3E30-4611-A5AA-799510A497F0}" type="datetimeFigureOut">
               <a:rPr lang="zh-TW" altLang="en-US" smtClean="0"/>
-              <a:t>2018/1/26</a:t>
+              <a:t>2018/1/31</a:t>
             </a:fld>
             <a:endParaRPr lang="zh-TW" altLang="en-US"/>
           </a:p>
@@ -1776,7 +1776,7 @@
           <a:p>
             <a:fld id="{D290A4C2-3E30-4611-A5AA-799510A497F0}" type="datetimeFigureOut">
               <a:rPr lang="zh-TW" altLang="en-US" smtClean="0"/>
-              <a:t>2018/1/26</a:t>
+              <a:t>2018/1/31</a:t>
             </a:fld>
             <a:endParaRPr lang="zh-TW" altLang="en-US"/>
           </a:p>
@@ -2399,7 +2399,7 @@
           <a:p>
             <a:fld id="{D290A4C2-3E30-4611-A5AA-799510A497F0}" type="datetimeFigureOut">
               <a:rPr lang="zh-TW" altLang="en-US" smtClean="0"/>
-              <a:t>2018/1/26</a:t>
+              <a:t>2018/1/31</a:t>
             </a:fld>
             <a:endParaRPr lang="zh-TW" altLang="en-US"/>
           </a:p>
@@ -3259,7 +3259,7 @@
           <a:p>
             <a:fld id="{D290A4C2-3E30-4611-A5AA-799510A497F0}" type="datetimeFigureOut">
               <a:rPr lang="zh-TW" altLang="en-US" smtClean="0"/>
-              <a:t>2018/1/26</a:t>
+              <a:t>2018/1/31</a:t>
             </a:fld>
             <a:endParaRPr lang="zh-TW" altLang="en-US"/>
           </a:p>
@@ -3429,7 +3429,7 @@
           <a:p>
             <a:fld id="{D290A4C2-3E30-4611-A5AA-799510A497F0}" type="datetimeFigureOut">
               <a:rPr lang="zh-TW" altLang="en-US" smtClean="0"/>
-              <a:t>2018/1/26</a:t>
+              <a:t>2018/1/31</a:t>
             </a:fld>
             <a:endParaRPr lang="zh-TW" altLang="en-US"/>
           </a:p>
@@ -3609,7 +3609,7 @@
           <a:p>
             <a:fld id="{D290A4C2-3E30-4611-A5AA-799510A497F0}" type="datetimeFigureOut">
               <a:rPr lang="zh-TW" altLang="en-US" smtClean="0"/>
-              <a:t>2018/1/26</a:t>
+              <a:t>2018/1/31</a:t>
             </a:fld>
             <a:endParaRPr lang="zh-TW" altLang="en-US"/>
           </a:p>
@@ -3779,7 +3779,7 @@
           <a:p>
             <a:fld id="{D290A4C2-3E30-4611-A5AA-799510A497F0}" type="datetimeFigureOut">
               <a:rPr lang="zh-TW" altLang="en-US" smtClean="0"/>
-              <a:t>2018/1/26</a:t>
+              <a:t>2018/1/31</a:t>
             </a:fld>
             <a:endParaRPr lang="zh-TW" altLang="en-US"/>
           </a:p>
@@ -4026,7 +4026,7 @@
           <a:p>
             <a:fld id="{D290A4C2-3E30-4611-A5AA-799510A497F0}" type="datetimeFigureOut">
               <a:rPr lang="zh-TW" altLang="en-US" smtClean="0"/>
-              <a:t>2018/1/26</a:t>
+              <a:t>2018/1/31</a:t>
             </a:fld>
             <a:endParaRPr lang="zh-TW" altLang="en-US"/>
           </a:p>
@@ -4318,7 +4318,7 @@
           <a:p>
             <a:fld id="{D290A4C2-3E30-4611-A5AA-799510A497F0}" type="datetimeFigureOut">
               <a:rPr lang="zh-TW" altLang="en-US" smtClean="0"/>
-              <a:t>2018/1/26</a:t>
+              <a:t>2018/1/31</a:t>
             </a:fld>
             <a:endParaRPr lang="zh-TW" altLang="en-US"/>
           </a:p>
@@ -4762,7 +4762,7 @@
           <a:p>
             <a:fld id="{D290A4C2-3E30-4611-A5AA-799510A497F0}" type="datetimeFigureOut">
               <a:rPr lang="zh-TW" altLang="en-US" smtClean="0"/>
-              <a:t>2018/1/26</a:t>
+              <a:t>2018/1/31</a:t>
             </a:fld>
             <a:endParaRPr lang="zh-TW" altLang="en-US"/>
           </a:p>
@@ -4880,7 +4880,7 @@
           <a:p>
             <a:fld id="{D290A4C2-3E30-4611-A5AA-799510A497F0}" type="datetimeFigureOut">
               <a:rPr lang="zh-TW" altLang="en-US" smtClean="0"/>
-              <a:t>2018/1/26</a:t>
+              <a:t>2018/1/31</a:t>
             </a:fld>
             <a:endParaRPr lang="zh-TW" altLang="en-US"/>
           </a:p>
@@ -4975,7 +4975,7 @@
           <a:p>
             <a:fld id="{D290A4C2-3E30-4611-A5AA-799510A497F0}" type="datetimeFigureOut">
               <a:rPr lang="zh-TW" altLang="en-US" smtClean="0"/>
-              <a:t>2018/1/26</a:t>
+              <a:t>2018/1/31</a:t>
             </a:fld>
             <a:endParaRPr lang="zh-TW" altLang="en-US"/>
           </a:p>
@@ -5254,7 +5254,7 @@
           <a:p>
             <a:fld id="{D290A4C2-3E30-4611-A5AA-799510A497F0}" type="datetimeFigureOut">
               <a:rPr lang="zh-TW" altLang="en-US" smtClean="0"/>
-              <a:t>2018/1/26</a:t>
+              <a:t>2018/1/31</a:t>
             </a:fld>
             <a:endParaRPr lang="zh-TW" altLang="en-US"/>
           </a:p>
@@ -5529,7 +5529,7 @@
           <a:p>
             <a:fld id="{D290A4C2-3E30-4611-A5AA-799510A497F0}" type="datetimeFigureOut">
               <a:rPr lang="zh-TW" altLang="en-US" smtClean="0"/>
-              <a:t>2018/1/26</a:t>
+              <a:t>2018/1/31</a:t>
             </a:fld>
             <a:endParaRPr lang="zh-TW" altLang="en-US"/>
           </a:p>
@@ -5958,7 +5958,7 @@
           <a:p>
             <a:fld id="{D290A4C2-3E30-4611-A5AA-799510A497F0}" type="datetimeFigureOut">
               <a:rPr lang="zh-TW" altLang="en-US" smtClean="0"/>
-              <a:t>2018/1/26</a:t>
+              <a:t>2018/1/31</a:t>
             </a:fld>
             <a:endParaRPr lang="zh-TW" altLang="en-US"/>
           </a:p>
@@ -6645,7 +6645,7 @@
                         <m:pos m:val="top"/>
                         <m:ctrlPr>
                           <a:rPr lang="en-US" altLang="zh-TW" i="1" smtClean="0">
-                            <a:latin typeface="Cambria Math" panose="02040503050406030204" pitchFamily="18" charset="0"/>
+                            <a:latin typeface="Cambria Math"/>
                           </a:rPr>
                         </m:ctrlPr>
                       </m:barPr>
@@ -6677,7 +6677,7 @@
                       <m:fPr>
                         <m:ctrlPr>
                           <a:rPr lang="en-US" altLang="zh-TW" i="1" smtClean="0">
-                            <a:latin typeface="Cambria Math" panose="02040503050406030204" pitchFamily="18" charset="0"/>
+                            <a:latin typeface="Cambria Math"/>
                           </a:rPr>
                         </m:ctrlPr>
                       </m:fPr>
@@ -6687,7 +6687,7 @@
                             <m:chr m:val="∑"/>
                             <m:ctrlPr>
                               <a:rPr lang="en-US" altLang="zh-TW" i="1">
-                                <a:latin typeface="Cambria Math" panose="02040503050406030204" pitchFamily="18" charset="0"/>
+                                <a:latin typeface="Cambria Math"/>
                               </a:rPr>
                             </m:ctrlPr>
                           </m:naryPr>
@@ -6776,7 +6776,7 @@
                       <m:fPr>
                         <m:ctrlPr>
                           <a:rPr lang="en-US" altLang="zh-TW" i="1" smtClean="0">
-                            <a:latin typeface="Cambria Math" panose="02040503050406030204" pitchFamily="18" charset="0"/>
+                            <a:latin typeface="Cambria Math"/>
                           </a:rPr>
                         </m:ctrlPr>
                       </m:fPr>
@@ -6786,7 +6786,7 @@
                             <m:chr m:val="∑"/>
                             <m:ctrlPr>
                               <a:rPr lang="en-US" altLang="zh-TW" i="1" smtClean="0">
-                                <a:latin typeface="Cambria Math" panose="02040503050406030204" pitchFamily="18" charset="0"/>
+                                <a:latin typeface="Cambria Math"/>
                               </a:rPr>
                             </m:ctrlPr>
                           </m:naryPr>
@@ -6826,7 +6826,7 @@
                               <m:sSupPr>
                                 <m:ctrlPr>
                                   <a:rPr lang="en-US" altLang="zh-TW" i="1" smtClean="0">
-                                    <a:latin typeface="Cambria Math" panose="02040503050406030204" pitchFamily="18" charset="0"/>
+                                    <a:latin typeface="Cambria Math"/>
                                   </a:rPr>
                                 </m:ctrlPr>
                               </m:sSupPr>
@@ -6835,7 +6835,7 @@
                                   <m:dPr>
                                     <m:ctrlPr>
                                       <a:rPr lang="en-US" altLang="zh-TW" i="1" smtClean="0">
-                                        <a:latin typeface="Cambria Math" panose="02040503050406030204" pitchFamily="18" charset="0"/>
+                                        <a:latin typeface="Cambria Math"/>
                                       </a:rPr>
                                     </m:ctrlPr>
                                   </m:dPr>
@@ -6875,7 +6875,7 @@
                                         <m:pos m:val="top"/>
                                         <m:ctrlPr>
                                           <a:rPr lang="en-US" altLang="zh-TW" b="0" i="1" smtClean="0">
-                                            <a:latin typeface="Cambria Math" panose="02040503050406030204" pitchFamily="18" charset="0"/>
+                                            <a:latin typeface="Cambria Math"/>
                                           </a:rPr>
                                         </m:ctrlPr>
                                       </m:barPr>
@@ -6979,7 +6979,7 @@
                         <m:degHide m:val="on"/>
                         <m:ctrlPr>
                           <a:rPr lang="en-US" altLang="zh-TW" i="1" smtClean="0">
-                            <a:latin typeface="Cambria Math" panose="02040503050406030204" pitchFamily="18" charset="0"/>
+                            <a:latin typeface="Cambria Math"/>
                           </a:rPr>
                         </m:ctrlPr>
                       </m:radPr>
@@ -7024,7 +7024,7 @@
                       <m:fPr>
                         <m:ctrlPr>
                           <a:rPr lang="en-US" altLang="zh-TW" i="1" smtClean="0">
-                            <a:latin typeface="Cambria Math" panose="02040503050406030204" pitchFamily="18" charset="0"/>
+                            <a:latin typeface="Cambria Math"/>
                           </a:rPr>
                         </m:ctrlPr>
                       </m:fPr>
@@ -7046,7 +7046,7 @@
                             <m:pos m:val="top"/>
                             <m:ctrlPr>
                               <a:rPr lang="en-US" altLang="zh-TW" b="0" i="1" smtClean="0">
-                                <a:latin typeface="Cambria Math" panose="02040503050406030204" pitchFamily="18" charset="0"/>
+                                <a:latin typeface="Cambria Math"/>
                               </a:rPr>
                             </m:ctrlPr>
                           </m:barPr>
@@ -7254,7 +7254,7 @@
                       <m:dPr>
                         <m:ctrlPr>
                           <a:rPr lang="en-US" altLang="zh-TW" i="1" smtClean="0">
-                            <a:latin typeface="Cambria Math" panose="02040503050406030204" pitchFamily="18" charset="0"/>
+                            <a:latin typeface="Cambria Math"/>
                           </a:rPr>
                         </m:ctrlPr>
                       </m:dPr>
@@ -7263,7 +7263,7 @@
                           <m:sSubPr>
                             <m:ctrlPr>
                               <a:rPr lang="en-US" altLang="zh-TW" i="1" smtClean="0">
-                                <a:latin typeface="Cambria Math" panose="02040503050406030204" pitchFamily="18" charset="0"/>
+                                <a:latin typeface="Cambria Math"/>
                               </a:rPr>
                             </m:ctrlPr>
                           </m:sSubPr>
@@ -7297,7 +7297,7 @@
                           <m:sSubPr>
                             <m:ctrlPr>
                               <a:rPr lang="en-US" altLang="zh-TW" i="1" smtClean="0">
-                                <a:latin typeface="Cambria Math" panose="02040503050406030204" pitchFamily="18" charset="0"/>
+                                <a:latin typeface="Cambria Math"/>
                               </a:rPr>
                             </m:ctrlPr>
                           </m:sSubPr>
@@ -7366,7 +7366,7 @@
                       <m:dPr>
                         <m:ctrlPr>
                           <a:rPr lang="en-US" altLang="zh-TW" i="1">
-                            <a:latin typeface="Cambria Math" panose="02040503050406030204" pitchFamily="18" charset="0"/>
+                            <a:latin typeface="Cambria Math"/>
                           </a:rPr>
                         </m:ctrlPr>
                       </m:dPr>
@@ -7375,7 +7375,7 @@
                           <m:sSubPr>
                             <m:ctrlPr>
                               <a:rPr lang="en-US" altLang="zh-TW" i="1">
-                                <a:latin typeface="Cambria Math" panose="02040503050406030204" pitchFamily="18" charset="0"/>
+                                <a:latin typeface="Cambria Math"/>
                               </a:rPr>
                             </m:ctrlPr>
                           </m:sSubPr>
@@ -7409,7 +7409,7 @@
                           <m:sSubPr>
                             <m:ctrlPr>
                               <a:rPr lang="en-US" altLang="zh-TW" i="1">
-                                <a:latin typeface="Cambria Math" panose="02040503050406030204" pitchFamily="18" charset="0"/>
+                                <a:latin typeface="Cambria Math"/>
                               </a:rPr>
                             </m:ctrlPr>
                           </m:sSubPr>
@@ -7464,7 +7464,7 @@
                         <m:degHide m:val="on"/>
                         <m:ctrlPr>
                           <a:rPr lang="zh-TW" altLang="en-US" i="1" smtClean="0">
-                            <a:latin typeface="Cambria Math" panose="02040503050406030204" pitchFamily="18" charset="0"/>
+                            <a:latin typeface="Cambria Math"/>
                           </a:rPr>
                         </m:ctrlPr>
                       </m:radPr>
@@ -7474,7 +7474,7 @@
                           <m:sSupPr>
                             <m:ctrlPr>
                               <a:rPr lang="en-US" altLang="zh-TW" i="1" smtClean="0">
-                                <a:latin typeface="Cambria Math" panose="02040503050406030204" pitchFamily="18" charset="0"/>
+                                <a:latin typeface="Cambria Math"/>
                               </a:rPr>
                             </m:ctrlPr>
                           </m:sSupPr>
@@ -7483,7 +7483,7 @@
                               <m:dPr>
                                 <m:ctrlPr>
                                   <a:rPr lang="en-US" altLang="zh-TW" i="1" smtClean="0">
-                                    <a:latin typeface="Cambria Math" panose="02040503050406030204" pitchFamily="18" charset="0"/>
+                                    <a:latin typeface="Cambria Math"/>
                                   </a:rPr>
                                 </m:ctrlPr>
                               </m:dPr>
@@ -7492,7 +7492,7 @@
                                   <m:sSubPr>
                                     <m:ctrlPr>
                                       <a:rPr lang="en-US" altLang="zh-TW" i="1" smtClean="0">
-                                        <a:latin typeface="Cambria Math" panose="02040503050406030204" pitchFamily="18" charset="0"/>
+                                        <a:latin typeface="Cambria Math"/>
                                       </a:rPr>
                                     </m:ctrlPr>
                                   </m:sSubPr>
@@ -7526,7 +7526,7 @@
                                   <m:sSubPr>
                                     <m:ctrlPr>
                                       <a:rPr lang="en-US" altLang="zh-TW" b="0" i="1" smtClean="0">
-                                        <a:latin typeface="Cambria Math" panose="02040503050406030204" pitchFamily="18" charset="0"/>
+                                        <a:latin typeface="Cambria Math"/>
                                       </a:rPr>
                                     </m:ctrlPr>
                                   </m:sSubPr>
@@ -7572,7 +7572,7 @@
                           <m:sSupPr>
                             <m:ctrlPr>
                               <a:rPr lang="en-US" altLang="zh-TW" i="1">
-                                <a:latin typeface="Cambria Math" panose="02040503050406030204" pitchFamily="18" charset="0"/>
+                                <a:latin typeface="Cambria Math"/>
                               </a:rPr>
                             </m:ctrlPr>
                           </m:sSupPr>
@@ -7581,7 +7581,7 @@
                               <m:dPr>
                                 <m:ctrlPr>
                                   <a:rPr lang="en-US" altLang="zh-TW" i="1">
-                                    <a:latin typeface="Cambria Math" panose="02040503050406030204" pitchFamily="18" charset="0"/>
+                                    <a:latin typeface="Cambria Math"/>
                                   </a:rPr>
                                 </m:ctrlPr>
                               </m:dPr>
@@ -7590,7 +7590,7 @@
                                   <m:sSubPr>
                                     <m:ctrlPr>
                                       <a:rPr lang="en-US" altLang="zh-TW" i="1">
-                                        <a:latin typeface="Cambria Math" panose="02040503050406030204" pitchFamily="18" charset="0"/>
+                                        <a:latin typeface="Cambria Math"/>
                                       </a:rPr>
                                     </m:ctrlPr>
                                   </m:sSubPr>
@@ -7624,7 +7624,7 @@
                                   <m:sSubPr>
                                     <m:ctrlPr>
                                       <a:rPr lang="en-US" altLang="zh-TW" i="1">
-                                        <a:latin typeface="Cambria Math" panose="02040503050406030204" pitchFamily="18" charset="0"/>
+                                        <a:latin typeface="Cambria Math"/>
                                       </a:rPr>
                                     </m:ctrlPr>
                                   </m:sSubPr>
@@ -8827,7 +8827,7 @@
                       <m:dPr>
                         <m:ctrlPr>
                           <a:rPr lang="en-US" altLang="zh-TW" i="1" smtClean="0">
-                            <a:latin typeface="Cambria Math" panose="02040503050406030204" pitchFamily="18" charset="0"/>
+                            <a:latin typeface="Cambria Math"/>
                           </a:rPr>
                         </m:ctrlPr>
                       </m:dPr>
@@ -8836,7 +8836,7 @@
                           <m:sSubPr>
                             <m:ctrlPr>
                               <a:rPr lang="en-US" altLang="zh-TW" i="1" smtClean="0">
-                                <a:latin typeface="Cambria Math" panose="02040503050406030204" pitchFamily="18" charset="0"/>
+                                <a:latin typeface="Cambria Math"/>
                               </a:rPr>
                             </m:ctrlPr>
                           </m:sSubPr>
@@ -8870,7 +8870,7 @@
                           <m:sSubPr>
                             <m:ctrlPr>
                               <a:rPr lang="en-US" altLang="zh-TW" i="1">
-                                <a:latin typeface="Cambria Math" panose="02040503050406030204" pitchFamily="18" charset="0"/>
+                                <a:latin typeface="Cambria Math"/>
                               </a:rPr>
                             </m:ctrlPr>
                           </m:sSubPr>
@@ -8898,7 +8898,7 @@
                           <m:sSubPr>
                             <m:ctrlPr>
                               <a:rPr lang="en-US" altLang="zh-TW" i="1">
-                                <a:latin typeface="Cambria Math" panose="02040503050406030204" pitchFamily="18" charset="0"/>
+                                <a:latin typeface="Cambria Math"/>
                               </a:rPr>
                             </m:ctrlPr>
                           </m:sSubPr>
@@ -8944,7 +8944,7 @@
                           <m:sSubPr>
                             <m:ctrlPr>
                               <a:rPr lang="en-US" altLang="zh-TW" i="1" smtClean="0">
-                                <a:latin typeface="Cambria Math" panose="02040503050406030204" pitchFamily="18" charset="0"/>
+                                <a:latin typeface="Cambria Math"/>
                               </a:rPr>
                             </m:ctrlPr>
                           </m:sSubPr>
@@ -9706,16 +9706,36 @@
           <a:p>
             <a:pPr lvl="2"/>
             <a:r>
-              <a:rPr lang="zh-TW" altLang="en-US" dirty="0" smtClean="0"/>
-              <a:t>例如手寫數字辨識</a:t>
-            </a:r>
-            <a:endParaRPr lang="en-US" altLang="zh-TW" dirty="0" smtClean="0"/>
+              <a:rPr lang="zh-TW" altLang="en-US" dirty="0"/>
+              <a:t>例如圖片</a:t>
+            </a:r>
+            <a:r>
+              <a:rPr lang="en-US" altLang="zh-TW" dirty="0"/>
+              <a:t>(</a:t>
+            </a:r>
+            <a:r>
+              <a:rPr lang="zh-TW" altLang="en-US" dirty="0"/>
+              <a:t>狗或貓或豬</a:t>
+            </a:r>
+            <a:r>
+              <a:rPr lang="en-US" altLang="zh-TW" dirty="0"/>
+              <a:t>)</a:t>
+            </a:r>
+            <a:r>
+              <a:rPr lang="zh-TW" altLang="en-US" dirty="0"/>
+              <a:t>分類</a:t>
+            </a:r>
+            <a:endParaRPr lang="en-US" altLang="zh-TW" dirty="0"/>
           </a:p>
           <a:p>
             <a:pPr lvl="2"/>
             <a:r>
               <a:rPr lang="en-US" altLang="zh-TW" dirty="0" smtClean="0"/>
-              <a:t>algorithm:  </a:t>
+              <a:t>algorithm</a:t>
+            </a:r>
+            <a:r>
+              <a:rPr lang="en-US" altLang="zh-TW" dirty="0" smtClean="0"/>
+              <a:t>:  </a:t>
             </a:r>
             <a:r>
               <a:rPr lang="en-US" altLang="zh-TW" dirty="0"/>
@@ -9854,87 +9874,93 @@
           <a:lstStyle/>
           <a:p>
             <a:r>
-              <a:rPr lang="zh-TW" altLang="en-US" dirty="0" smtClean="0"/>
+              <a:rPr lang="zh-TW" altLang="en-US" dirty="0"/>
               <a:t>訓練模型：給一堆資料</a:t>
             </a:r>
             <a:r>
-              <a:rPr lang="en-US" altLang="zh-TW" dirty="0" smtClean="0"/>
+              <a:rPr lang="en-US" altLang="zh-TW" dirty="0"/>
               <a:t>(</a:t>
             </a:r>
             <a:r>
-              <a:rPr lang="zh-TW" altLang="en-US" dirty="0" smtClean="0"/>
+              <a:rPr lang="zh-TW" altLang="en-US" dirty="0"/>
               <a:t>有</a:t>
             </a:r>
             <a:r>
-              <a:rPr lang="en-US" altLang="zh-TW" dirty="0" smtClean="0"/>
+              <a:rPr lang="en-US" altLang="zh-TW" dirty="0"/>
               <a:t>features,</a:t>
             </a:r>
             <a:r>
-              <a:rPr lang="zh-TW" altLang="en-US" dirty="0" smtClean="0"/>
+              <a:rPr lang="zh-TW" altLang="en-US" dirty="0"/>
               <a:t> 無</a:t>
             </a:r>
             <a:r>
-              <a:rPr lang="en-US" altLang="zh-TW" dirty="0" smtClean="0"/>
+              <a:rPr lang="en-US" altLang="zh-TW" dirty="0"/>
               <a:t>labels)</a:t>
             </a:r>
             <a:r>
-              <a:rPr lang="zh-TW" altLang="en-US" dirty="0" smtClean="0"/>
+              <a:rPr lang="zh-TW" altLang="en-US" dirty="0"/>
               <a:t>去訓練模型</a:t>
             </a:r>
-            <a:endParaRPr lang="en-US" altLang="zh-TW" dirty="0" smtClean="0"/>
+            <a:endParaRPr lang="en-US" altLang="zh-TW" dirty="0"/>
+          </a:p>
+          <a:p>
+            <a:r>
+              <a:rPr lang="zh-TW" altLang="en-US" dirty="0"/>
+              <a:t>分群</a:t>
+            </a:r>
+            <a:r>
+              <a:rPr lang="en-US" altLang="zh-TW" dirty="0"/>
+              <a:t>(clustering)</a:t>
+            </a:r>
+            <a:r>
+              <a:rPr lang="zh-TW" altLang="en-US" dirty="0"/>
+              <a:t>：以訓練好的模型將資料做分群</a:t>
+            </a:r>
+            <a:endParaRPr lang="en-US" altLang="zh-TW" dirty="0"/>
           </a:p>
           <a:p>
             <a:pPr lvl="1"/>
             <a:r>
-              <a:rPr lang="zh-TW" altLang="en-US" dirty="0" smtClean="0"/>
+              <a:rPr lang="zh-TW" altLang="en-US" dirty="0"/>
+              <a:t>例如將大量客戶資料做分群</a:t>
+            </a:r>
+            <a:endParaRPr lang="en-US" altLang="zh-TW" dirty="0"/>
+          </a:p>
+          <a:p>
+            <a:pPr lvl="1"/>
+            <a:r>
+              <a:rPr lang="zh-TW" altLang="en-US" dirty="0"/>
               <a:t>利用資料的相似度</a:t>
             </a:r>
             <a:r>
-              <a:rPr lang="en-US" altLang="zh-TW" dirty="0" smtClean="0"/>
+              <a:rPr lang="en-US" altLang="zh-TW" dirty="0"/>
               <a:t>(similarity)</a:t>
             </a:r>
             <a:r>
-              <a:rPr lang="zh-TW" altLang="en-US" dirty="0" smtClean="0"/>
+              <a:rPr lang="zh-TW" altLang="en-US" dirty="0"/>
               <a:t>來找出資料隱藏的結構。</a:t>
             </a:r>
-            <a:endParaRPr lang="en-US" altLang="zh-TW" dirty="0" smtClean="0"/>
+            <a:endParaRPr lang="en-US" altLang="zh-TW" dirty="0"/>
           </a:p>
           <a:p>
             <a:pPr lvl="2"/>
             <a:r>
-              <a:rPr lang="zh-TW" altLang="en-US" dirty="0" smtClean="0"/>
+              <a:rPr lang="zh-TW" altLang="en-US" dirty="0"/>
               <a:t>相似度可以某種距離公式來定義</a:t>
             </a:r>
-            <a:endParaRPr lang="en-US" altLang="zh-TW" dirty="0" smtClean="0"/>
-          </a:p>
-          <a:p>
-            <a:r>
-              <a:rPr lang="zh-TW" altLang="en-US" dirty="0" smtClean="0"/>
-              <a:t>分群</a:t>
-            </a:r>
-            <a:r>
-              <a:rPr lang="en-US" altLang="zh-TW" dirty="0" smtClean="0"/>
-              <a:t>(clustering)</a:t>
-            </a:r>
-            <a:r>
-              <a:rPr lang="zh-TW" altLang="en-US" dirty="0" smtClean="0"/>
-              <a:t>：以訓練好的模型將資料做分群</a:t>
-            </a:r>
-            <a:endParaRPr lang="en-US" altLang="zh-TW" dirty="0" smtClean="0"/>
+            <a:endParaRPr lang="en-US" altLang="zh-TW" dirty="0"/>
           </a:p>
           <a:p>
             <a:pPr lvl="1"/>
             <a:r>
-              <a:rPr lang="en-US" altLang="zh-TW" dirty="0" smtClean="0"/>
-              <a:t>algorithm: </a:t>
-            </a:r>
-            <a:r>
               <a:rPr lang="en-US" altLang="zh-TW" dirty="0"/>
-              <a:t>K-means, hierarchical clustering, DBSCAN</a:t>
-            </a:r>
-            <a:endParaRPr lang="en-US" altLang="zh-TW" dirty="0" smtClean="0"/>
-          </a:p>
-          <a:p>
+              <a:t>algorithm: K-means, hierarchical clustering, DBSCAN</a:t>
+            </a:r>
+          </a:p>
+          <a:p>
+            <a:pPr marL="0" indent="0">
+              <a:buNone/>
+            </a:pPr>
             <a:endParaRPr lang="zh-TW" altLang="en-US" dirty="0"/>
           </a:p>
         </p:txBody>
@@ -13573,7 +13599,7 @@
   <a:extraClrSchemeLst/>
   <a:extLst>
     <a:ext uri="{05A4C25C-085E-4340-85A3-A5531E510DB2}">
-      <thm15:themeFamily xmlns:thm15="http://schemas.microsoft.com/office/thememl/2012/main" name="Ion" id="{B8441ADB-2E43-4AF7-B97A-BD870242C6A8}" vid="{292E63A9-BB86-4E3D-B92A-7223C6510D2E}"/>
+      <thm15:themeFamily xmlns:thm15="http://schemas.microsoft.com/office/thememl/2012/main" xmlns="" name="Ion" id="{B8441ADB-2E43-4AF7-B97A-BD870242C6A8}" vid="{292E63A9-BB86-4E3D-B92A-7223C6510D2E}"/>
     </a:ext>
   </a:extLst>
 </a:theme>
@@ -13834,7 +13860,7 @@
   <a:extraClrSchemeLst/>
   <a:extLst>
     <a:ext uri="{05A4C25C-085E-4340-85A3-A5531E510DB2}">
-      <thm15:themeFamily xmlns:thm15="http://schemas.microsoft.com/office/thememl/2012/main" name="Office Theme" id="{62F939B6-93AF-4DB8-9C6B-D6C7DFDC589F}" vid="{4A3C46E8-61CC-4603-A589-7422A47A8E4A}"/>
+      <thm15:themeFamily xmlns:thm15="http://schemas.microsoft.com/office/thememl/2012/main" xmlns="" name="Office Theme" id="{62F939B6-93AF-4DB8-9C6B-D6C7DFDC589F}" vid="{4A3C46E8-61CC-4603-A589-7422A47A8E4A}"/>
     </a:ext>
   </a:extLst>
 </a:theme>

--- a/machine learning introduction.pptx
+++ b/machine learning introduction.pptx
@@ -132,7 +132,7 @@
   </p:defaultTextStyle>
   <p:extLst>
     <p:ext uri="{EFAFB233-063F-42B5-8137-9DF3F51BA10A}">
-      <p15:sldGuideLst xmlns:p15="http://schemas.microsoft.com/office/powerpoint/2012/main" xmlns="">
+      <p15:sldGuideLst xmlns:p15="http://schemas.microsoft.com/office/powerpoint/2012/main">
         <p15:guide id="1" orient="horz" pos="2160">
           <p15:clr>
             <a:srgbClr val="A4A3A4"/>
@@ -239,7 +239,7 @@
           <a:p>
             <a:fld id="{C750A325-1B11-471A-A6BB-64119B01ADFB}" type="datetimeFigureOut">
               <a:rPr lang="zh-TW" altLang="en-US" smtClean="0"/>
-              <a:t>2018/1/31</a:t>
+              <a:t>2018/2/1</a:t>
             </a:fld>
             <a:endParaRPr lang="zh-TW" altLang="en-US"/>
           </a:p>
@@ -693,7 +693,7 @@
           <a:p>
             <a:fld id="{D290A4C2-3E30-4611-A5AA-799510A497F0}" type="datetimeFigureOut">
               <a:rPr lang="zh-TW" altLang="en-US" smtClean="0"/>
-              <a:t>2018/1/31</a:t>
+              <a:t>2018/2/1</a:t>
             </a:fld>
             <a:endParaRPr lang="zh-TW" altLang="en-US"/>
           </a:p>
@@ -968,7 +968,7 @@
           <a:p>
             <a:fld id="{D290A4C2-3E30-4611-A5AA-799510A497F0}" type="datetimeFigureOut">
               <a:rPr lang="zh-TW" altLang="en-US" smtClean="0"/>
-              <a:t>2018/1/31</a:t>
+              <a:t>2018/2/1</a:t>
             </a:fld>
             <a:endParaRPr lang="zh-TW" altLang="en-US"/>
           </a:p>
@@ -1162,7 +1162,7 @@
           <a:p>
             <a:fld id="{D290A4C2-3E30-4611-A5AA-799510A497F0}" type="datetimeFigureOut">
               <a:rPr lang="zh-TW" altLang="en-US" smtClean="0"/>
-              <a:t>2018/1/31</a:t>
+              <a:t>2018/2/1</a:t>
             </a:fld>
             <a:endParaRPr lang="zh-TW" altLang="en-US"/>
           </a:p>
@@ -1435,7 +1435,7 @@
           <a:p>
             <a:fld id="{D290A4C2-3E30-4611-A5AA-799510A497F0}" type="datetimeFigureOut">
               <a:rPr lang="zh-TW" altLang="en-US" smtClean="0"/>
-              <a:t>2018/1/31</a:t>
+              <a:t>2018/2/1</a:t>
             </a:fld>
             <a:endParaRPr lang="zh-TW" altLang="en-US"/>
           </a:p>
@@ -1776,7 +1776,7 @@
           <a:p>
             <a:fld id="{D290A4C2-3E30-4611-A5AA-799510A497F0}" type="datetimeFigureOut">
               <a:rPr lang="zh-TW" altLang="en-US" smtClean="0"/>
-              <a:t>2018/1/31</a:t>
+              <a:t>2018/2/1</a:t>
             </a:fld>
             <a:endParaRPr lang="zh-TW" altLang="en-US"/>
           </a:p>
@@ -2399,7 +2399,7 @@
           <a:p>
             <a:fld id="{D290A4C2-3E30-4611-A5AA-799510A497F0}" type="datetimeFigureOut">
               <a:rPr lang="zh-TW" altLang="en-US" smtClean="0"/>
-              <a:t>2018/1/31</a:t>
+              <a:t>2018/2/1</a:t>
             </a:fld>
             <a:endParaRPr lang="zh-TW" altLang="en-US"/>
           </a:p>
@@ -3259,7 +3259,7 @@
           <a:p>
             <a:fld id="{D290A4C2-3E30-4611-A5AA-799510A497F0}" type="datetimeFigureOut">
               <a:rPr lang="zh-TW" altLang="en-US" smtClean="0"/>
-              <a:t>2018/1/31</a:t>
+              <a:t>2018/2/1</a:t>
             </a:fld>
             <a:endParaRPr lang="zh-TW" altLang="en-US"/>
           </a:p>
@@ -3429,7 +3429,7 @@
           <a:p>
             <a:fld id="{D290A4C2-3E30-4611-A5AA-799510A497F0}" type="datetimeFigureOut">
               <a:rPr lang="zh-TW" altLang="en-US" smtClean="0"/>
-              <a:t>2018/1/31</a:t>
+              <a:t>2018/2/1</a:t>
             </a:fld>
             <a:endParaRPr lang="zh-TW" altLang="en-US"/>
           </a:p>
@@ -3609,7 +3609,7 @@
           <a:p>
             <a:fld id="{D290A4C2-3E30-4611-A5AA-799510A497F0}" type="datetimeFigureOut">
               <a:rPr lang="zh-TW" altLang="en-US" smtClean="0"/>
-              <a:t>2018/1/31</a:t>
+              <a:t>2018/2/1</a:t>
             </a:fld>
             <a:endParaRPr lang="zh-TW" altLang="en-US"/>
           </a:p>
@@ -3779,7 +3779,7 @@
           <a:p>
             <a:fld id="{D290A4C2-3E30-4611-A5AA-799510A497F0}" type="datetimeFigureOut">
               <a:rPr lang="zh-TW" altLang="en-US" smtClean="0"/>
-              <a:t>2018/1/31</a:t>
+              <a:t>2018/2/1</a:t>
             </a:fld>
             <a:endParaRPr lang="zh-TW" altLang="en-US"/>
           </a:p>
@@ -4026,7 +4026,7 @@
           <a:p>
             <a:fld id="{D290A4C2-3E30-4611-A5AA-799510A497F0}" type="datetimeFigureOut">
               <a:rPr lang="zh-TW" altLang="en-US" smtClean="0"/>
-              <a:t>2018/1/31</a:t>
+              <a:t>2018/2/1</a:t>
             </a:fld>
             <a:endParaRPr lang="zh-TW" altLang="en-US"/>
           </a:p>
@@ -4318,7 +4318,7 @@
           <a:p>
             <a:fld id="{D290A4C2-3E30-4611-A5AA-799510A497F0}" type="datetimeFigureOut">
               <a:rPr lang="zh-TW" altLang="en-US" smtClean="0"/>
-              <a:t>2018/1/31</a:t>
+              <a:t>2018/2/1</a:t>
             </a:fld>
             <a:endParaRPr lang="zh-TW" altLang="en-US"/>
           </a:p>
@@ -4762,7 +4762,7 @@
           <a:p>
             <a:fld id="{D290A4C2-3E30-4611-A5AA-799510A497F0}" type="datetimeFigureOut">
               <a:rPr lang="zh-TW" altLang="en-US" smtClean="0"/>
-              <a:t>2018/1/31</a:t>
+              <a:t>2018/2/1</a:t>
             </a:fld>
             <a:endParaRPr lang="zh-TW" altLang="en-US"/>
           </a:p>
@@ -4880,7 +4880,7 @@
           <a:p>
             <a:fld id="{D290A4C2-3E30-4611-A5AA-799510A497F0}" type="datetimeFigureOut">
               <a:rPr lang="zh-TW" altLang="en-US" smtClean="0"/>
-              <a:t>2018/1/31</a:t>
+              <a:t>2018/2/1</a:t>
             </a:fld>
             <a:endParaRPr lang="zh-TW" altLang="en-US"/>
           </a:p>
@@ -4975,7 +4975,7 @@
           <a:p>
             <a:fld id="{D290A4C2-3E30-4611-A5AA-799510A497F0}" type="datetimeFigureOut">
               <a:rPr lang="zh-TW" altLang="en-US" smtClean="0"/>
-              <a:t>2018/1/31</a:t>
+              <a:t>2018/2/1</a:t>
             </a:fld>
             <a:endParaRPr lang="zh-TW" altLang="en-US"/>
           </a:p>
@@ -5254,7 +5254,7 @@
           <a:p>
             <a:fld id="{D290A4C2-3E30-4611-A5AA-799510A497F0}" type="datetimeFigureOut">
               <a:rPr lang="zh-TW" altLang="en-US" smtClean="0"/>
-              <a:t>2018/1/31</a:t>
+              <a:t>2018/2/1</a:t>
             </a:fld>
             <a:endParaRPr lang="zh-TW" altLang="en-US"/>
           </a:p>
@@ -5529,7 +5529,7 @@
           <a:p>
             <a:fld id="{D290A4C2-3E30-4611-A5AA-799510A497F0}" type="datetimeFigureOut">
               <a:rPr lang="zh-TW" altLang="en-US" smtClean="0"/>
-              <a:t>2018/1/31</a:t>
+              <a:t>2018/2/1</a:t>
             </a:fld>
             <a:endParaRPr lang="zh-TW" altLang="en-US"/>
           </a:p>
@@ -5958,7 +5958,7 @@
           <a:p>
             <a:fld id="{D290A4C2-3E30-4611-A5AA-799510A497F0}" type="datetimeFigureOut">
               <a:rPr lang="zh-TW" altLang="en-US" smtClean="0"/>
-              <a:t>2018/1/31</a:t>
+              <a:t>2018/2/1</a:t>
             </a:fld>
             <a:endParaRPr lang="zh-TW" altLang="en-US"/>
           </a:p>
@@ -6645,7 +6645,7 @@
                         <m:pos m:val="top"/>
                         <m:ctrlPr>
                           <a:rPr lang="en-US" altLang="zh-TW" i="1" smtClean="0">
-                            <a:latin typeface="Cambria Math"/>
+                            <a:latin typeface="Cambria Math" panose="02040503050406030204" pitchFamily="18" charset="0"/>
                           </a:rPr>
                         </m:ctrlPr>
                       </m:barPr>
@@ -6677,7 +6677,7 @@
                       <m:fPr>
                         <m:ctrlPr>
                           <a:rPr lang="en-US" altLang="zh-TW" i="1" smtClean="0">
-                            <a:latin typeface="Cambria Math"/>
+                            <a:latin typeface="Cambria Math" panose="02040503050406030204" pitchFamily="18" charset="0"/>
                           </a:rPr>
                         </m:ctrlPr>
                       </m:fPr>
@@ -6687,7 +6687,7 @@
                             <m:chr m:val="∑"/>
                             <m:ctrlPr>
                               <a:rPr lang="en-US" altLang="zh-TW" i="1">
-                                <a:latin typeface="Cambria Math"/>
+                                <a:latin typeface="Cambria Math" panose="02040503050406030204" pitchFamily="18" charset="0"/>
                               </a:rPr>
                             </m:ctrlPr>
                           </m:naryPr>
@@ -6776,7 +6776,7 @@
                       <m:fPr>
                         <m:ctrlPr>
                           <a:rPr lang="en-US" altLang="zh-TW" i="1" smtClean="0">
-                            <a:latin typeface="Cambria Math"/>
+                            <a:latin typeface="Cambria Math" panose="02040503050406030204" pitchFamily="18" charset="0"/>
                           </a:rPr>
                         </m:ctrlPr>
                       </m:fPr>
@@ -6786,7 +6786,7 @@
                             <m:chr m:val="∑"/>
                             <m:ctrlPr>
                               <a:rPr lang="en-US" altLang="zh-TW" i="1" smtClean="0">
-                                <a:latin typeface="Cambria Math"/>
+                                <a:latin typeface="Cambria Math" panose="02040503050406030204" pitchFamily="18" charset="0"/>
                               </a:rPr>
                             </m:ctrlPr>
                           </m:naryPr>
@@ -6826,7 +6826,7 @@
                               <m:sSupPr>
                                 <m:ctrlPr>
                                   <a:rPr lang="en-US" altLang="zh-TW" i="1" smtClean="0">
-                                    <a:latin typeface="Cambria Math"/>
+                                    <a:latin typeface="Cambria Math" panose="02040503050406030204" pitchFamily="18" charset="0"/>
                                   </a:rPr>
                                 </m:ctrlPr>
                               </m:sSupPr>
@@ -6835,7 +6835,7 @@
                                   <m:dPr>
                                     <m:ctrlPr>
                                       <a:rPr lang="en-US" altLang="zh-TW" i="1" smtClean="0">
-                                        <a:latin typeface="Cambria Math"/>
+                                        <a:latin typeface="Cambria Math" panose="02040503050406030204" pitchFamily="18" charset="0"/>
                                       </a:rPr>
                                     </m:ctrlPr>
                                   </m:dPr>
@@ -6875,7 +6875,7 @@
                                         <m:pos m:val="top"/>
                                         <m:ctrlPr>
                                           <a:rPr lang="en-US" altLang="zh-TW" b="0" i="1" smtClean="0">
-                                            <a:latin typeface="Cambria Math"/>
+                                            <a:latin typeface="Cambria Math" panose="02040503050406030204" pitchFamily="18" charset="0"/>
                                           </a:rPr>
                                         </m:ctrlPr>
                                       </m:barPr>
@@ -6979,7 +6979,7 @@
                         <m:degHide m:val="on"/>
                         <m:ctrlPr>
                           <a:rPr lang="en-US" altLang="zh-TW" i="1" smtClean="0">
-                            <a:latin typeface="Cambria Math"/>
+                            <a:latin typeface="Cambria Math" panose="02040503050406030204" pitchFamily="18" charset="0"/>
                           </a:rPr>
                         </m:ctrlPr>
                       </m:radPr>
@@ -7024,7 +7024,7 @@
                       <m:fPr>
                         <m:ctrlPr>
                           <a:rPr lang="en-US" altLang="zh-TW" i="1" smtClean="0">
-                            <a:latin typeface="Cambria Math"/>
+                            <a:latin typeface="Cambria Math" panose="02040503050406030204" pitchFamily="18" charset="0"/>
                           </a:rPr>
                         </m:ctrlPr>
                       </m:fPr>
@@ -7046,7 +7046,7 @@
                             <m:pos m:val="top"/>
                             <m:ctrlPr>
                               <a:rPr lang="en-US" altLang="zh-TW" b="0" i="1" smtClean="0">
-                                <a:latin typeface="Cambria Math"/>
+                                <a:latin typeface="Cambria Math" panose="02040503050406030204" pitchFamily="18" charset="0"/>
                               </a:rPr>
                             </m:ctrlPr>
                           </m:barPr>
@@ -7254,7 +7254,7 @@
                       <m:dPr>
                         <m:ctrlPr>
                           <a:rPr lang="en-US" altLang="zh-TW" i="1" smtClean="0">
-                            <a:latin typeface="Cambria Math"/>
+                            <a:latin typeface="Cambria Math" panose="02040503050406030204" pitchFamily="18" charset="0"/>
                           </a:rPr>
                         </m:ctrlPr>
                       </m:dPr>
@@ -7263,7 +7263,7 @@
                           <m:sSubPr>
                             <m:ctrlPr>
                               <a:rPr lang="en-US" altLang="zh-TW" i="1" smtClean="0">
-                                <a:latin typeface="Cambria Math"/>
+                                <a:latin typeface="Cambria Math" panose="02040503050406030204" pitchFamily="18" charset="0"/>
                               </a:rPr>
                             </m:ctrlPr>
                           </m:sSubPr>
@@ -7297,7 +7297,7 @@
                           <m:sSubPr>
                             <m:ctrlPr>
                               <a:rPr lang="en-US" altLang="zh-TW" i="1" smtClean="0">
-                                <a:latin typeface="Cambria Math"/>
+                                <a:latin typeface="Cambria Math" panose="02040503050406030204" pitchFamily="18" charset="0"/>
                               </a:rPr>
                             </m:ctrlPr>
                           </m:sSubPr>
@@ -7366,7 +7366,7 @@
                       <m:dPr>
                         <m:ctrlPr>
                           <a:rPr lang="en-US" altLang="zh-TW" i="1">
-                            <a:latin typeface="Cambria Math"/>
+                            <a:latin typeface="Cambria Math" panose="02040503050406030204" pitchFamily="18" charset="0"/>
                           </a:rPr>
                         </m:ctrlPr>
                       </m:dPr>
@@ -7375,7 +7375,7 @@
                           <m:sSubPr>
                             <m:ctrlPr>
                               <a:rPr lang="en-US" altLang="zh-TW" i="1">
-                                <a:latin typeface="Cambria Math"/>
+                                <a:latin typeface="Cambria Math" panose="02040503050406030204" pitchFamily="18" charset="0"/>
                               </a:rPr>
                             </m:ctrlPr>
                           </m:sSubPr>
@@ -7409,7 +7409,7 @@
                           <m:sSubPr>
                             <m:ctrlPr>
                               <a:rPr lang="en-US" altLang="zh-TW" i="1">
-                                <a:latin typeface="Cambria Math"/>
+                                <a:latin typeface="Cambria Math" panose="02040503050406030204" pitchFamily="18" charset="0"/>
                               </a:rPr>
                             </m:ctrlPr>
                           </m:sSubPr>
@@ -7464,7 +7464,7 @@
                         <m:degHide m:val="on"/>
                         <m:ctrlPr>
                           <a:rPr lang="zh-TW" altLang="en-US" i="1" smtClean="0">
-                            <a:latin typeface="Cambria Math"/>
+                            <a:latin typeface="Cambria Math" panose="02040503050406030204" pitchFamily="18" charset="0"/>
                           </a:rPr>
                         </m:ctrlPr>
                       </m:radPr>
@@ -7474,7 +7474,7 @@
                           <m:sSupPr>
                             <m:ctrlPr>
                               <a:rPr lang="en-US" altLang="zh-TW" i="1" smtClean="0">
-                                <a:latin typeface="Cambria Math"/>
+                                <a:latin typeface="Cambria Math" panose="02040503050406030204" pitchFamily="18" charset="0"/>
                               </a:rPr>
                             </m:ctrlPr>
                           </m:sSupPr>
@@ -7483,7 +7483,7 @@
                               <m:dPr>
                                 <m:ctrlPr>
                                   <a:rPr lang="en-US" altLang="zh-TW" i="1" smtClean="0">
-                                    <a:latin typeface="Cambria Math"/>
+                                    <a:latin typeface="Cambria Math" panose="02040503050406030204" pitchFamily="18" charset="0"/>
                                   </a:rPr>
                                 </m:ctrlPr>
                               </m:dPr>
@@ -7492,7 +7492,7 @@
                                   <m:sSubPr>
                                     <m:ctrlPr>
                                       <a:rPr lang="en-US" altLang="zh-TW" i="1" smtClean="0">
-                                        <a:latin typeface="Cambria Math"/>
+                                        <a:latin typeface="Cambria Math" panose="02040503050406030204" pitchFamily="18" charset="0"/>
                                       </a:rPr>
                                     </m:ctrlPr>
                                   </m:sSubPr>
@@ -7526,7 +7526,7 @@
                                   <m:sSubPr>
                                     <m:ctrlPr>
                                       <a:rPr lang="en-US" altLang="zh-TW" b="0" i="1" smtClean="0">
-                                        <a:latin typeface="Cambria Math"/>
+                                        <a:latin typeface="Cambria Math" panose="02040503050406030204" pitchFamily="18" charset="0"/>
                                       </a:rPr>
                                     </m:ctrlPr>
                                   </m:sSubPr>
@@ -7572,7 +7572,7 @@
                           <m:sSupPr>
                             <m:ctrlPr>
                               <a:rPr lang="en-US" altLang="zh-TW" i="1">
-                                <a:latin typeface="Cambria Math"/>
+                                <a:latin typeface="Cambria Math" panose="02040503050406030204" pitchFamily="18" charset="0"/>
                               </a:rPr>
                             </m:ctrlPr>
                           </m:sSupPr>
@@ -7581,7 +7581,7 @@
                               <m:dPr>
                                 <m:ctrlPr>
                                   <a:rPr lang="en-US" altLang="zh-TW" i="1">
-                                    <a:latin typeface="Cambria Math"/>
+                                    <a:latin typeface="Cambria Math" panose="02040503050406030204" pitchFamily="18" charset="0"/>
                                   </a:rPr>
                                 </m:ctrlPr>
                               </m:dPr>
@@ -7590,7 +7590,7 @@
                                   <m:sSubPr>
                                     <m:ctrlPr>
                                       <a:rPr lang="en-US" altLang="zh-TW" i="1">
-                                        <a:latin typeface="Cambria Math"/>
+                                        <a:latin typeface="Cambria Math" panose="02040503050406030204" pitchFamily="18" charset="0"/>
                                       </a:rPr>
                                     </m:ctrlPr>
                                   </m:sSubPr>
@@ -7624,7 +7624,7 @@
                                   <m:sSubPr>
                                     <m:ctrlPr>
                                       <a:rPr lang="en-US" altLang="zh-TW" i="1">
-                                        <a:latin typeface="Cambria Math"/>
+                                        <a:latin typeface="Cambria Math" panose="02040503050406030204" pitchFamily="18" charset="0"/>
                                       </a:rPr>
                                     </m:ctrlPr>
                                   </m:sSubPr>
@@ -8827,7 +8827,7 @@
                       <m:dPr>
                         <m:ctrlPr>
                           <a:rPr lang="en-US" altLang="zh-TW" i="1" smtClean="0">
-                            <a:latin typeface="Cambria Math"/>
+                            <a:latin typeface="Cambria Math" panose="02040503050406030204" pitchFamily="18" charset="0"/>
                           </a:rPr>
                         </m:ctrlPr>
                       </m:dPr>
@@ -8836,7 +8836,7 @@
                           <m:sSubPr>
                             <m:ctrlPr>
                               <a:rPr lang="en-US" altLang="zh-TW" i="1" smtClean="0">
-                                <a:latin typeface="Cambria Math"/>
+                                <a:latin typeface="Cambria Math" panose="02040503050406030204" pitchFamily="18" charset="0"/>
                               </a:rPr>
                             </m:ctrlPr>
                           </m:sSubPr>
@@ -8870,7 +8870,7 @@
                           <m:sSubPr>
                             <m:ctrlPr>
                               <a:rPr lang="en-US" altLang="zh-TW" i="1">
-                                <a:latin typeface="Cambria Math"/>
+                                <a:latin typeface="Cambria Math" panose="02040503050406030204" pitchFamily="18" charset="0"/>
                               </a:rPr>
                             </m:ctrlPr>
                           </m:sSubPr>
@@ -8898,7 +8898,7 @@
                           <m:sSubPr>
                             <m:ctrlPr>
                               <a:rPr lang="en-US" altLang="zh-TW" i="1">
-                                <a:latin typeface="Cambria Math"/>
+                                <a:latin typeface="Cambria Math" panose="02040503050406030204" pitchFamily="18" charset="0"/>
                               </a:rPr>
                             </m:ctrlPr>
                           </m:sSubPr>
@@ -8944,7 +8944,7 @@
                           <m:sSubPr>
                             <m:ctrlPr>
                               <a:rPr lang="en-US" altLang="zh-TW" i="1" smtClean="0">
-                                <a:latin typeface="Cambria Math"/>
+                                <a:latin typeface="Cambria Math" panose="02040503050406030204" pitchFamily="18" charset="0"/>
                               </a:rPr>
                             </m:ctrlPr>
                           </m:sSubPr>
@@ -9731,11 +9731,7 @@
             <a:pPr lvl="2"/>
             <a:r>
               <a:rPr lang="en-US" altLang="zh-TW" dirty="0" smtClean="0"/>
-              <a:t>algorithm</a:t>
-            </a:r>
-            <a:r>
-              <a:rPr lang="en-US" altLang="zh-TW" dirty="0" smtClean="0"/>
-              <a:t>:  </a:t>
+              <a:t>algorithm:  </a:t>
             </a:r>
             <a:r>
               <a:rPr lang="en-US" altLang="zh-TW" dirty="0"/>
@@ -9954,13 +9950,46 @@
             <a:pPr lvl="1"/>
             <a:r>
               <a:rPr lang="en-US" altLang="zh-TW" dirty="0"/>
-              <a:t>algorithm: K-means, hierarchical clustering, DBSCAN</a:t>
-            </a:r>
-          </a:p>
-          <a:p>
-            <a:pPr marL="0" indent="0">
-              <a:buNone/>
-            </a:pPr>
+              <a:t>algorithm: K-means, hierarchical clustering, </a:t>
+            </a:r>
+            <a:r>
+              <a:rPr lang="en-US" altLang="zh-TW" dirty="0" smtClean="0"/>
+              <a:t>DBSCAN</a:t>
+            </a:r>
+          </a:p>
+          <a:p>
+            <a:r>
+              <a:rPr lang="zh-TW" altLang="en-US" dirty="0" smtClean="0"/>
+              <a:t>壓縮</a:t>
+            </a:r>
+            <a:r>
+              <a:rPr lang="zh-TW" altLang="en-US" dirty="0"/>
+              <a:t>資料：降維</a:t>
+            </a:r>
+            <a:r>
+              <a:rPr lang="en-US" altLang="zh-TW" dirty="0"/>
+              <a:t>(</a:t>
+            </a:r>
+            <a:r>
+              <a:rPr lang="zh-TW" altLang="en-US" dirty="0"/>
+              <a:t>減少資料的維度</a:t>
+            </a:r>
+            <a:r>
+              <a:rPr lang="en-US" altLang="zh-TW" dirty="0" smtClean="0"/>
+              <a:t>)</a:t>
+            </a:r>
+            <a:r>
+              <a:rPr lang="zh-TW" altLang="en-US" dirty="0" smtClean="0"/>
+              <a:t>、縮小資料的特徵空間</a:t>
+            </a:r>
+            <a:endParaRPr lang="en-US" altLang="zh-TW" dirty="0" smtClean="0"/>
+          </a:p>
+          <a:p>
+            <a:pPr lvl="1"/>
+            <a:r>
+              <a:rPr lang="en-US" altLang="zh-TW" smtClean="0"/>
+              <a:t>Algorithm: PCA</a:t>
+            </a:r>
             <a:endParaRPr lang="zh-TW" altLang="en-US" dirty="0"/>
           </a:p>
         </p:txBody>
@@ -10897,16 +10926,29 @@
             <a:pPr lvl="1"/>
             <a:r>
               <a:rPr lang="zh-TW" altLang="en-US" dirty="0" smtClean="0"/>
-              <a:t>自動辨識特徵，無需人工預先處理資料，可減少了解</a:t>
-            </a:r>
-            <a:r>
-              <a:rPr lang="en-US" altLang="zh-TW" dirty="0"/>
+              <a:t>自動辨識特徵，無需人工預先處理資料，可</a:t>
+            </a:r>
+            <a:r>
+              <a:rPr lang="zh-TW" altLang="en-US" dirty="0" smtClean="0"/>
+              <a:t>減少對</a:t>
+            </a:r>
+            <a:r>
+              <a:rPr lang="en-US" altLang="zh-TW" dirty="0" smtClean="0"/>
               <a:t> </a:t>
             </a:r>
             <a:r>
               <a:rPr lang="en-US" altLang="zh-TW" dirty="0" smtClean="0"/>
-              <a:t>domain knowledge</a:t>
-            </a:r>
+              <a:t>domain </a:t>
+            </a:r>
+            <a:r>
+              <a:rPr lang="en-US" altLang="zh-TW" dirty="0" smtClean="0"/>
+              <a:t>knowledge </a:t>
+            </a:r>
+            <a:r>
+              <a:rPr lang="zh-TW" altLang="en-US" smtClean="0"/>
+              <a:t>的依賴</a:t>
+            </a:r>
+            <a:endParaRPr lang="en-US" altLang="zh-TW" dirty="0" smtClean="0"/>
           </a:p>
           <a:p>
             <a:pPr lvl="1"/>
@@ -13599,7 +13641,7 @@
   <a:extraClrSchemeLst/>
   <a:extLst>
     <a:ext uri="{05A4C25C-085E-4340-85A3-A5531E510DB2}">
-      <thm15:themeFamily xmlns:thm15="http://schemas.microsoft.com/office/thememl/2012/main" xmlns="" name="Ion" id="{B8441ADB-2E43-4AF7-B97A-BD870242C6A8}" vid="{292E63A9-BB86-4E3D-B92A-7223C6510D2E}"/>
+      <thm15:themeFamily xmlns:thm15="http://schemas.microsoft.com/office/thememl/2012/main" name="Ion" id="{B8441ADB-2E43-4AF7-B97A-BD870242C6A8}" vid="{292E63A9-BB86-4E3D-B92A-7223C6510D2E}"/>
     </a:ext>
   </a:extLst>
 </a:theme>
@@ -13860,7 +13902,7 @@
   <a:extraClrSchemeLst/>
   <a:extLst>
     <a:ext uri="{05A4C25C-085E-4340-85A3-A5531E510DB2}">
-      <thm15:themeFamily xmlns:thm15="http://schemas.microsoft.com/office/thememl/2012/main" xmlns="" name="Office Theme" id="{62F939B6-93AF-4DB8-9C6B-D6C7DFDC589F}" vid="{4A3C46E8-61CC-4603-A589-7422A47A8E4A}"/>
+      <thm15:themeFamily xmlns:thm15="http://schemas.microsoft.com/office/thememl/2012/main" name="Office Theme" id="{62F939B6-93AF-4DB8-9C6B-D6C7DFDC589F}" vid="{4A3C46E8-61CC-4603-A589-7422A47A8E4A}"/>
     </a:ext>
   </a:extLst>
 </a:theme>
